--- a/3.学穿Binder篇/ppt与思维导图/学习 Binder 的预备知识2.pptx
+++ b/3.学穿Binder篇/ppt与思维导图/学习 Binder 的预备知识2.pptx
@@ -17,7 +17,7 @@
   <p:sldSz cx="12192000" cy="6858000"/>
   <p:notesSz cx="6858000" cy="9144000"/>
   <p:custDataLst>
-    <p:tags r:id="rId14"/>
+    <p:tags r:id="rId15"/>
   </p:custDataLst>
   <p:defaultTextStyle>
     <a:defPPr>
@@ -122,7 +122,7 @@
             <a:srgbClr val="A4A3A4"/>
           </p15:clr>
         </p15:guide>
-        <p15:guide id="2" pos="3831" userDrawn="1">
+        <p15:guide id="2" pos="3838" userDrawn="1">
           <p15:clr>
             <a:srgbClr val="A4A3A4"/>
           </p15:clr>
@@ -131,6 +131,48 @@
     </p:ext>
   </p:extLst>
 </p:presentation>
+</file>
+
+<file path=ppt/commentAuthors.xml><?xml version="1.0" encoding="utf-8"?>
+<p:cmAuthorLst xmlns:a="http://schemas.openxmlformats.org/drawingml/2006/main" xmlns:r="http://schemas.openxmlformats.org/officeDocument/2006/relationships" xmlns:p="http://schemas.openxmlformats.org/presentationml/2006/main">
+  <p:cmAuthor id="1" name="ahao" initials="a" lastIdx="1" clrIdx="0"/>
+</p:cmAuthorLst>
+</file>
+
+<file path=ppt/comments/comment1.xml><?xml version="1.0" encoding="utf-8"?>
+<p:cmLst xmlns:a="http://schemas.openxmlformats.org/drawingml/2006/main" xmlns:r="http://schemas.openxmlformats.org/officeDocument/2006/relationships" xmlns:p="http://schemas.openxmlformats.org/presentationml/2006/main">
+  <p:cm authorId="1" dt="2023-07-07T16:29:25.115" idx="1">
+    <p:pos x="7303" y="949"/>
+    <p:text/>
+  </p:cm>
+</p:cmLst>
+</file>
+
+<file path=ppt/ink/ink1.xml><?xml version="1.0" encoding="utf-8"?>
+<inkml:ink xmlns:inkml="http://www.w3.org/2003/InkML">
+  <inkml:definitions>
+    <inkml:context xml:id="ctx0">
+      <inkml:inkSource xml:id="inkSrc0">
+        <inkml:traceFormat>
+          <inkml:channel name="X" type="integer" units="cm"/>
+          <inkml:channel name="Y" type="integer" units="cm"/>
+        </inkml:traceFormat>
+        <inkml:channelProperties>
+          <inkml:channelProperty channel="X" name="resolution" value="28.3464566929134" units="1/cm"/>
+          <inkml:channelProperty channel="Y" name="resolution" value="28.3464566929134" units="1/cm"/>
+        </inkml:channelProperties>
+      </inkml:inkSource>
+      <inkml:timestamp xml:id="ts0" timeString="2023-07-07T22:12:48"/>
+    </inkml:context>
+    <inkml:brush xml:id="br0">
+      <inkml:brushProperty name="width" value="0.05292" units="cm"/>
+      <inkml:brushProperty name="height" value="0.05292" units="cm"/>
+      <inkml:brushProperty name="color" value="#f80600"/>
+      <inkml:brushProperty name="ignorePressure" value="0"/>
+    </inkml:brush>
+  </inkml:definitions>
+  <inkml:trace contextRef="#ctx0" brushRef="#br0">13936 961.679,'0'0</inkml:trace>
+</inkml:ink>
 </file>
 
 <file path=ppt/slideLayouts/slideLayout1.xml><?xml version="1.0" encoding="utf-8"?>
@@ -3339,9 +3381,21 @@
               <a:rPr lang="en-US" altLang="zh-CN">
                 <a:sym typeface="+mn-ea"/>
               </a:rPr>
-              <a:t>Linux 中文件的读写</a:t>
-            </a:r>
-            <a:endParaRPr lang="en-US" altLang="zh-CN">
+              <a:t>Linux 文件读写</a:t>
+            </a:r>
+            <a:r>
+              <a:rPr lang="zh-CN" altLang="en-US">
+                <a:sym typeface="+mn-ea"/>
+              </a:rPr>
+              <a:t>系统</a:t>
+            </a:r>
+            <a:r>
+              <a:rPr lang="zh-CN" altLang="en-US">
+                <a:sym typeface="+mn-ea"/>
+              </a:rPr>
+              <a:t>调用</a:t>
+            </a:r>
+            <a:endParaRPr lang="zh-CN" altLang="en-US">
               <a:sym typeface="+mn-ea"/>
             </a:endParaRPr>
           </a:p>
@@ -3911,7 +3965,7 @@
         <p:spPr>
           <a:xfrm>
             <a:off x="2383155" y="3105785"/>
-            <a:ext cx="800100" cy="368300"/>
+            <a:ext cx="975995" cy="368300"/>
           </a:xfrm>
           <a:prstGeom prst="rect">
             <a:avLst/>
@@ -3923,6 +3977,10 @@
             <a:spAutoFit/>
           </a:bodyPr>
           <a:p>
+            <a:r>
+              <a:rPr lang="en-US" altLang="zh-CN"/>
+              <a:t>led</a:t>
+            </a:r>
             <a:r>
               <a:rPr lang="zh-CN" altLang="en-US"/>
               <a:t>驱动</a:t>
@@ -3954,7 +4012,7 @@
           <a:p>
             <a:r>
               <a:rPr lang="en-US" altLang="zh-CN"/>
-              <a:t>xxx_open</a:t>
+              <a:t>led_open</a:t>
             </a:r>
             <a:endParaRPr lang="en-US" altLang="zh-CN"/>
           </a:p>
@@ -3987,7 +4045,7 @@
           <a:p>
             <a:r>
               <a:rPr lang="en-US" altLang="zh-CN"/>
-              <a:t>xxx_read</a:t>
+              <a:t>led_read</a:t>
             </a:r>
             <a:endParaRPr lang="en-US" altLang="zh-CN"/>
           </a:p>
@@ -4020,7 +4078,7 @@
           <a:p>
             <a:r>
               <a:rPr lang="en-US" altLang="zh-CN"/>
-              <a:t>xxx_write</a:t>
+              <a:t>led_write</a:t>
             </a:r>
             <a:endParaRPr lang="en-US" altLang="zh-CN"/>
           </a:p>
@@ -4053,7 +4111,7 @@
           <a:p>
             <a:r>
               <a:rPr lang="en-US" altLang="zh-CN"/>
-              <a:t>xxx_ioctl</a:t>
+              <a:t>led_ioctl</a:t>
             </a:r>
             <a:endParaRPr lang="en-US" altLang="zh-CN"/>
           </a:p>
@@ -4086,7 +4144,7 @@
           <a:p>
             <a:r>
               <a:rPr lang="en-US" altLang="zh-CN"/>
-              <a:t>xxx_close</a:t>
+              <a:t>led_close</a:t>
             </a:r>
             <a:endParaRPr lang="en-US" altLang="zh-CN"/>
           </a:p>
@@ -4295,9 +4353,41 @@
           </a:prstGeom>
         </p:spPr>
       </p:pic>
+      <mc:AlternateContent xmlns:mc="http://schemas.openxmlformats.org/markup-compatibility/2006" xmlns:p14="http://schemas.microsoft.com/office/powerpoint/2010/main">
+        <mc:Choice Requires="p14">
+          <p:contentPart r:id="rId8" p14:bwMode="auto">
+            <p14:nvContentPartPr>
+              <p14:cNvPr id="14" name="墨迹 13"/>
+              <p14:cNvContentPartPr/>
+              <p14:nvPr/>
+            </p14:nvContentPartPr>
+            <p14:xfrm>
+              <a:off x="8849995" y="610870"/>
+              <a:ext cx="635" cy="635"/>
+            </p14:xfrm>
+          </p:contentPart>
+        </mc:Choice>
+        <mc:Fallback xmlns="">
+          <p:pic>
+            <p:nvPicPr>
+              <p:cNvPr id="14" name="墨迹 13"/>
+            </p:nvPicPr>
+            <p:blipFill>
+              <a:blip r:embed="rId9"/>
+            </p:blipFill>
+            <p:spPr>
+              <a:xfrm>
+                <a:off x="8849995" y="610870"/>
+                <a:ext cx="635" cy="635"/>
+              </a:xfrm>
+              <a:prstGeom prst="rect"/>
+            </p:spPr>
+          </p:pic>
+        </mc:Fallback>
+      </mc:AlternateContent>
     </p:spTree>
     <p:custDataLst>
-      <p:tags r:id="rId8"/>
+      <p:tags r:id="rId10"/>
     </p:custDataLst>
   </p:cSld>
   <p:clrMapOvr>
